--- a/NearestNeighbors/NearestNeighbors.pptx
+++ b/NearestNeighbors/NearestNeighbors.pptx
@@ -218,7 +218,7 @@
           <a:p>
             <a:fld id="{8DD5D817-DF9A-BD4D-A684-CF0CB0D5EE37}" type="datetimeFigureOut">
               <a:rPr lang="en-US" smtClean="0"/>
-              <a:t>12/9/17</a:t>
+              <a:t>12/12/17</a:t>
             </a:fld>
             <a:endParaRPr lang="en-US"/>
           </a:p>
@@ -972,7 +972,7 @@
           <a:p>
             <a:fld id="{22FD9ACA-B15F-9E4C-B06F-76D30ED7984C}" type="datetimeFigureOut">
               <a:rPr lang="en-US" smtClean="0"/>
-              <a:t>12/9/17</a:t>
+              <a:t>12/12/17</a:t>
             </a:fld>
             <a:endParaRPr lang="en-US"/>
           </a:p>
@@ -1142,7 +1142,7 @@
           <a:p>
             <a:fld id="{22FD9ACA-B15F-9E4C-B06F-76D30ED7984C}" type="datetimeFigureOut">
               <a:rPr lang="en-US" smtClean="0"/>
-              <a:t>12/9/17</a:t>
+              <a:t>12/12/17</a:t>
             </a:fld>
             <a:endParaRPr lang="en-US"/>
           </a:p>
@@ -1322,7 +1322,7 @@
           <a:p>
             <a:fld id="{22FD9ACA-B15F-9E4C-B06F-76D30ED7984C}" type="datetimeFigureOut">
               <a:rPr lang="en-US" smtClean="0"/>
-              <a:t>12/9/17</a:t>
+              <a:t>12/12/17</a:t>
             </a:fld>
             <a:endParaRPr lang="en-US"/>
           </a:p>
@@ -1492,7 +1492,7 @@
           <a:p>
             <a:fld id="{22FD9ACA-B15F-9E4C-B06F-76D30ED7984C}" type="datetimeFigureOut">
               <a:rPr lang="en-US" smtClean="0"/>
-              <a:t>12/9/17</a:t>
+              <a:t>12/12/17</a:t>
             </a:fld>
             <a:endParaRPr lang="en-US"/>
           </a:p>
@@ -1738,7 +1738,7 @@
           <a:p>
             <a:fld id="{22FD9ACA-B15F-9E4C-B06F-76D30ED7984C}" type="datetimeFigureOut">
               <a:rPr lang="en-US" smtClean="0"/>
-              <a:t>12/9/17</a:t>
+              <a:t>12/12/17</a:t>
             </a:fld>
             <a:endParaRPr lang="en-US"/>
           </a:p>
@@ -1970,7 +1970,7 @@
           <a:p>
             <a:fld id="{22FD9ACA-B15F-9E4C-B06F-76D30ED7984C}" type="datetimeFigureOut">
               <a:rPr lang="en-US" smtClean="0"/>
-              <a:t>12/9/17</a:t>
+              <a:t>12/12/17</a:t>
             </a:fld>
             <a:endParaRPr lang="en-US"/>
           </a:p>
@@ -2337,7 +2337,7 @@
           <a:p>
             <a:fld id="{22FD9ACA-B15F-9E4C-B06F-76D30ED7984C}" type="datetimeFigureOut">
               <a:rPr lang="en-US" smtClean="0"/>
-              <a:t>12/9/17</a:t>
+              <a:t>12/12/17</a:t>
             </a:fld>
             <a:endParaRPr lang="en-US"/>
           </a:p>
@@ -2455,7 +2455,7 @@
           <a:p>
             <a:fld id="{22FD9ACA-B15F-9E4C-B06F-76D30ED7984C}" type="datetimeFigureOut">
               <a:rPr lang="en-US" smtClean="0"/>
-              <a:t>12/9/17</a:t>
+              <a:t>12/12/17</a:t>
             </a:fld>
             <a:endParaRPr lang="en-US"/>
           </a:p>
@@ -2550,7 +2550,7 @@
           <a:p>
             <a:fld id="{22FD9ACA-B15F-9E4C-B06F-76D30ED7984C}" type="datetimeFigureOut">
               <a:rPr lang="en-US" smtClean="0"/>
-              <a:t>12/9/17</a:t>
+              <a:t>12/12/17</a:t>
             </a:fld>
             <a:endParaRPr lang="en-US"/>
           </a:p>
@@ -2827,7 +2827,7 @@
           <a:p>
             <a:fld id="{22FD9ACA-B15F-9E4C-B06F-76D30ED7984C}" type="datetimeFigureOut">
               <a:rPr lang="en-US" smtClean="0"/>
-              <a:t>12/9/17</a:t>
+              <a:t>12/12/17</a:t>
             </a:fld>
             <a:endParaRPr lang="en-US"/>
           </a:p>
@@ -3080,7 +3080,7 @@
           <a:p>
             <a:fld id="{22FD9ACA-B15F-9E4C-B06F-76D30ED7984C}" type="datetimeFigureOut">
               <a:rPr lang="en-US" smtClean="0"/>
-              <a:t>12/9/17</a:t>
+              <a:t>12/12/17</a:t>
             </a:fld>
             <a:endParaRPr lang="en-US"/>
           </a:p>
@@ -3293,7 +3293,7 @@
           <a:p>
             <a:fld id="{22FD9ACA-B15F-9E4C-B06F-76D30ED7984C}" type="datetimeFigureOut">
               <a:rPr lang="en-US" smtClean="0"/>
-              <a:t>12/9/17</a:t>
+              <a:t>12/12/17</a:t>
             </a:fld>
             <a:endParaRPr lang="en-US"/>
           </a:p>
@@ -3755,6 +3755,13 @@
   <p:clrMapOvr>
     <a:masterClrMapping/>
   </p:clrMapOvr>
+  <p:timing>
+    <p:tnLst>
+      <p:par>
+        <p:cTn id="1" dur="indefinite" restart="never" nodeType="tmRoot"/>
+      </p:par>
+    </p:tnLst>
+  </p:timing>
 </p:sld>
 </file>
 
@@ -3833,8 +3840,8 @@
         </p:blipFill>
         <p:spPr>
           <a:xfrm>
-            <a:off x="838200" y="1825625"/>
-            <a:ext cx="7378700" cy="2565400"/>
+            <a:off x="838200" y="1825624"/>
+            <a:ext cx="11362102" cy="3950335"/>
           </a:xfrm>
           <a:prstGeom prst="rect">
             <a:avLst/>
@@ -3851,6 +3858,13 @@
   <p:clrMapOvr>
     <a:masterClrMapping/>
   </p:clrMapOvr>
+  <p:timing>
+    <p:tnLst>
+      <p:par>
+        <p:cTn id="1" dur="indefinite" restart="never" nodeType="tmRoot"/>
+      </p:par>
+    </p:tnLst>
+  </p:timing>
 </p:sld>
 </file>
 
@@ -3929,8 +3943,8 @@
         </p:blipFill>
         <p:spPr>
           <a:xfrm>
-            <a:off x="838200" y="1825625"/>
-            <a:ext cx="9017000" cy="4597400"/>
+            <a:off x="155241" y="119063"/>
+            <a:ext cx="12036759" cy="6137052"/>
           </a:xfrm>
           <a:prstGeom prst="rect">
             <a:avLst/>
@@ -3947,6 +3961,13 @@
   <p:clrMapOvr>
     <a:masterClrMapping/>
   </p:clrMapOvr>
+  <p:timing>
+    <p:tnLst>
+      <p:par>
+        <p:cTn id="1" dur="indefinite" restart="never" nodeType="tmRoot"/>
+      </p:par>
+    </p:tnLst>
+  </p:timing>
 </p:sld>
 </file>
 
@@ -4043,6 +4064,13 @@
   <p:clrMapOvr>
     <a:masterClrMapping/>
   </p:clrMapOvr>
+  <p:timing>
+    <p:tnLst>
+      <p:par>
+        <p:cTn id="1" dur="indefinite" restart="never" nodeType="tmRoot"/>
+      </p:par>
+    </p:tnLst>
+  </p:timing>
 </p:sld>
 </file>
 
@@ -4139,6 +4167,13 @@
   <p:clrMapOvr>
     <a:masterClrMapping/>
   </p:clrMapOvr>
+  <p:timing>
+    <p:tnLst>
+      <p:par>
+        <p:cTn id="1" dur="indefinite" restart="never" nodeType="tmRoot"/>
+      </p:par>
+    </p:tnLst>
+  </p:timing>
 </p:sld>
 </file>
 
@@ -4253,6 +4288,13 @@
   <p:clrMapOvr>
     <a:masterClrMapping/>
   </p:clrMapOvr>
+  <p:timing>
+    <p:tnLst>
+      <p:par>
+        <p:cTn id="1" dur="indefinite" restart="never" nodeType="tmRoot"/>
+      </p:par>
+    </p:tnLst>
+  </p:timing>
 </p:sld>
 </file>
 
@@ -4395,6 +4437,13 @@
   <p:clrMapOvr>
     <a:masterClrMapping/>
   </p:clrMapOvr>
+  <p:timing>
+    <p:tnLst>
+      <p:par>
+        <p:cTn id="1" dur="indefinite" restart="never" nodeType="tmRoot"/>
+      </p:par>
+    </p:tnLst>
+  </p:timing>
 </p:sld>
 </file>
 
@@ -4515,6 +4564,13 @@
   <p:clrMapOvr>
     <a:masterClrMapping/>
   </p:clrMapOvr>
+  <p:timing>
+    <p:tnLst>
+      <p:par>
+        <p:cTn id="1" dur="indefinite" restart="never" nodeType="tmRoot"/>
+      </p:par>
+    </p:tnLst>
+  </p:timing>
 </p:sld>
 </file>
 
@@ -4689,6 +4745,13 @@
   <p:clrMapOvr>
     <a:masterClrMapping/>
   </p:clrMapOvr>
+  <p:timing>
+    <p:tnLst>
+      <p:par>
+        <p:cTn id="1" dur="indefinite" restart="never" nodeType="tmRoot"/>
+      </p:par>
+    </p:tnLst>
+  </p:timing>
 </p:sld>
 </file>
 
@@ -4823,6 +4886,13 @@
   <p:clrMapOvr>
     <a:masterClrMapping/>
   </p:clrMapOvr>
+  <p:timing>
+    <p:tnLst>
+      <p:par>
+        <p:cTn id="1" dur="indefinite" restart="never" nodeType="tmRoot"/>
+      </p:par>
+    </p:tnLst>
+  </p:timing>
 </p:sld>
 </file>
 
@@ -4926,6 +4996,13 @@
   <p:clrMapOvr>
     <a:masterClrMapping/>
   </p:clrMapOvr>
+  <p:timing>
+    <p:tnLst>
+      <p:par>
+        <p:cTn id="1" dur="indefinite" restart="never" nodeType="tmRoot"/>
+      </p:par>
+    </p:tnLst>
+  </p:timing>
 </p:sld>
 </file>
 
@@ -5022,6 +5099,13 @@
   <p:clrMapOvr>
     <a:masterClrMapping/>
   </p:clrMapOvr>
+  <p:timing>
+    <p:tnLst>
+      <p:par>
+        <p:cTn id="1" dur="indefinite" restart="never" nodeType="tmRoot"/>
+      </p:par>
+    </p:tnLst>
+  </p:timing>
 </p:sld>
 </file>
 
@@ -5532,6 +5616,13 @@
   <p:clrMapOvr>
     <a:masterClrMapping/>
   </p:clrMapOvr>
+  <p:timing>
+    <p:tnLst>
+      <p:par>
+        <p:cTn id="1" dur="indefinite" restart="never" nodeType="tmRoot"/>
+      </p:par>
+    </p:tnLst>
+  </p:timing>
 </p:sld>
 </file>
 
@@ -5823,6 +5914,13 @@
   <p:clrMapOvr>
     <a:masterClrMapping/>
   </p:clrMapOvr>
+  <p:timing>
+    <p:tnLst>
+      <p:par>
+        <p:cTn id="1" dur="indefinite" restart="never" nodeType="tmRoot"/>
+      </p:par>
+    </p:tnLst>
+  </p:timing>
 </p:sld>
 </file>
 
@@ -6048,6 +6146,13 @@
   <p:clrMapOvr>
     <a:masterClrMapping/>
   </p:clrMapOvr>
+  <p:timing>
+    <p:tnLst>
+      <p:par>
+        <p:cTn id="1" dur="indefinite" restart="never" nodeType="tmRoot"/>
+      </p:par>
+    </p:tnLst>
+  </p:timing>
 </p:sld>
 </file>
 
@@ -6144,6 +6249,13 @@
   <p:clrMapOvr>
     <a:masterClrMapping/>
   </p:clrMapOvr>
+  <p:timing>
+    <p:tnLst>
+      <p:par>
+        <p:cTn id="1" dur="indefinite" restart="never" nodeType="tmRoot"/>
+      </p:par>
+    </p:tnLst>
+  </p:timing>
 </p:sld>
 </file>
 
